--- a/demo/DocumentFormat.OpenXml.Flatten.Demo/WPF/OpenXmlFlattenMauiForWpfDemo/TestFiles/Shape Triangle.pptx
+++ b/demo/DocumentFormat.OpenXml.Flatten.Demo/WPF/OpenXmlFlattenMauiForWpfDemo/TestFiles/Shape Triangle.pptx
@@ -104,6 +104,11 @@
       </a:defRPr>
     </a:lvl9pPr>
   </p:defaultTextStyle>
+  <p:extLst>
+    <p:ext uri="{EFAFB233-063F-42B5-8137-9DF3F51BA10A}">
+      <p15:sldGuideLst xmlns:p15="http://schemas.microsoft.com/office/powerpoint/2012/main"/>
+    </p:ext>
+  </p:extLst>
 </p:presentation>
 </file>
 
@@ -490,23 +495,15 @@
           <a:prstGeom prst="triangle">
             <a:avLst/>
           </a:prstGeom>
+          <a:solidFill>
+            <a:srgbClr val="F3F2BE"/>
+          </a:solidFill>
+          <a:ln w="19050">
+            <a:solidFill>
+              <a:srgbClr val="BEC7E7"/>
+            </a:solidFill>
+          </a:ln>
         </p:spPr>
-        <p:style>
-          <a:lnRef idx="2">
-            <a:schemeClr val="accent1">
-              <a:shade val="50000"/>
-            </a:schemeClr>
-          </a:lnRef>
-          <a:fillRef idx="1">
-            <a:schemeClr val="accent1"/>
-          </a:fillRef>
-          <a:effectRef idx="0">
-            <a:schemeClr val="accent1"/>
-          </a:effectRef>
-          <a:fontRef idx="minor">
-            <a:schemeClr val="lt1"/>
-          </a:fontRef>
-        </p:style>
         <p:txBody>
           <a:bodyPr rtlCol="0" anchor="ctr"/>
           <a:lstStyle/>
